--- a/Présentation Projet Spé Web.pptx
+++ b/Présentation Projet Spé Web.pptx
@@ -3733,7 +3733,7 @@
         <p:spPr>
           <a:xfrm>
             <a:off x="838200" y="740211"/>
-            <a:ext cx="7530685" cy="3163864"/>
+            <a:ext cx="8348003" cy="3163864"/>
           </a:xfrm>
         </p:spPr>
         <p:txBody>
@@ -3750,6 +3750,37 @@
                 </a:solidFill>
               </a:rPr>
               <a:t>Soutenance Projet Spé Web</a:t>
+            </a:r>
+            <a:br>
+              <a:rPr lang="fr-FR" sz="5200" dirty="0">
+                <a:solidFill>
+                  <a:srgbClr val="FFFFFF"/>
+                </a:solidFill>
+              </a:rPr>
+            </a:br>
+            <a:r>
+              <a:rPr lang="fr-FR" sz="5200" dirty="0">
+                <a:solidFill>
+                  <a:srgbClr val="FFFFFF"/>
+                </a:solidFill>
+              </a:rPr>
+              <a:t>Nom de code : « </a:t>
+            </a:r>
+            <a:r>
+              <a:rPr lang="fr-FR" sz="5200">
+                <a:solidFill>
+                  <a:srgbClr val="FFFFFF"/>
+                </a:solidFill>
+              </a:rPr>
+              <a:t>DropHardware </a:t>
+            </a:r>
+            <a:r>
+              <a:rPr lang="fr-FR" sz="5200" dirty="0">
+                <a:solidFill>
+                  <a:srgbClr val="FFFFFF"/>
+                </a:solidFill>
+              </a:rPr>
+              <a:t>»</a:t>
             </a:r>
           </a:p>
         </p:txBody>
@@ -3804,6 +3835,38 @@
                 <a:srgbClr val="FFFFFF"/>
               </a:solidFill>
             </a:endParaRPr>
+          </a:p>
+        </p:txBody>
+      </p:sp>
+      <p:sp>
+        <p:nvSpPr>
+          <p:cNvPr id="5" name="ZoneTexte 4">
+            <a:extLst>
+              <a:ext uri="{FF2B5EF4-FFF2-40B4-BE49-F238E27FC236}">
+                <a16:creationId xmlns:a16="http://schemas.microsoft.com/office/drawing/2014/main" id="{591F5B53-8E7F-1446-8AD8-7C5A90F70BBE}"/>
+              </a:ext>
+            </a:extLst>
+          </p:cNvPr>
+          <p:cNvSpPr txBox="1"/>
+          <p:nvPr/>
+        </p:nvSpPr>
+        <p:spPr>
+          <a:xfrm>
+            <a:off x="2686929" y="4515729"/>
+            <a:ext cx="2729133" cy="369332"/>
+          </a:xfrm>
+          <a:prstGeom prst="rect">
+            <a:avLst/>
+          </a:prstGeom>
+          <a:noFill/>
+        </p:spPr>
+        <p:txBody>
+          <a:bodyPr wrap="square" rtlCol="0">
+            <a:spAutoFit/>
+          </a:bodyPr>
+          <a:lstStyle/>
+          <a:p>
+            <a:endParaRPr lang="fr-FR" dirty="0"/>
           </a:p>
         </p:txBody>
       </p:sp>
